--- a/slides/M-02-03-Exercise-Sorting.pptx
+++ b/slides/M-02-03-Exercise-Sorting.pptx
@@ -5,14 +5,15 @@
     <p:sldMasterId id="2147483649" r:id="rId1"/>
   </p:sldMasterIdLst>
   <p:notesMasterIdLst>
-    <p:notesMasterId r:id="rId4"/>
+    <p:notesMasterId r:id="rId5"/>
   </p:notesMasterIdLst>
   <p:handoutMasterIdLst>
-    <p:handoutMasterId r:id="rId5"/>
+    <p:handoutMasterId r:id="rId6"/>
   </p:handoutMasterIdLst>
   <p:sldIdLst>
     <p:sldId id="258" r:id="rId2"/>
     <p:sldId id="1911" r:id="rId3"/>
+    <p:sldId id="1912" r:id="rId4"/>
   </p:sldIdLst>
   <p:sldSz cx="9144000" cy="6858000" type="screen4x3"/>
   <p:notesSz cx="6858000" cy="9144000"/>
@@ -1131,6 +1132,185 @@
     <p:extLst>
       <p:ext uri="{BB962C8B-B14F-4D97-AF65-F5344CB8AC3E}">
         <p14:creationId xmlns:p14="http://schemas.microsoft.com/office/powerpoint/2010/main" val="2787644252"/>
+      </p:ext>
+    </p:extLst>
+  </p:cSld>
+  <p:clrMapOvr>
+    <a:masterClrMapping/>
+  </p:clrMapOvr>
+</p:notes>
+</file>
+
+<file path=ppt/notesSlides/notesSlide3.xml><?xml version="1.0" encoding="utf-8"?>
+<p:notes xmlns:a="http://schemas.openxmlformats.org/drawingml/2006/main" xmlns:r="http://schemas.openxmlformats.org/officeDocument/2006/relationships" xmlns:p="http://schemas.openxmlformats.org/presentationml/2006/main">
+  <p:cSld>
+    <p:spTree>
+      <p:nvGrpSpPr>
+        <p:cNvPr id="1" name="">
+          <a:extLst>
+            <a:ext uri="{FF2B5EF4-FFF2-40B4-BE49-F238E27FC236}">
+              <a16:creationId xmlns:a16="http://schemas.microsoft.com/office/drawing/2014/main" id="{CC3C5758-F3AE-26BB-E61E-E9279CAE6A00}"/>
+            </a:ext>
+          </a:extLst>
+        </p:cNvPr>
+        <p:cNvGrpSpPr/>
+        <p:nvPr/>
+      </p:nvGrpSpPr>
+      <p:grpSpPr>
+        <a:xfrm>
+          <a:off x="0" y="0"/>
+          <a:ext cx="0" cy="0"/>
+          <a:chOff x="0" y="0"/>
+          <a:chExt cx="0" cy="0"/>
+        </a:xfrm>
+      </p:grpSpPr>
+      <p:sp>
+        <p:nvSpPr>
+          <p:cNvPr id="2" name="Slide Image Placeholder 1">
+            <a:extLst>
+              <a:ext uri="{FF2B5EF4-FFF2-40B4-BE49-F238E27FC236}">
+                <a16:creationId xmlns:a16="http://schemas.microsoft.com/office/drawing/2014/main" id="{0EA1C9B4-02FE-DD6E-C449-858EB244F0D6}"/>
+              </a:ext>
+            </a:extLst>
+          </p:cNvPr>
+          <p:cNvSpPr>
+            <a:spLocks noGrp="1" noRot="1" noChangeAspect="1"/>
+          </p:cNvSpPr>
+          <p:nvPr>
+            <p:ph type="sldImg"/>
+          </p:nvPr>
+        </p:nvSpPr>
+        <p:spPr/>
+      </p:sp>
+      <p:sp>
+        <p:nvSpPr>
+          <p:cNvPr id="3" name="Notes Placeholder 2">
+            <a:extLst>
+              <a:ext uri="{FF2B5EF4-FFF2-40B4-BE49-F238E27FC236}">
+                <a16:creationId xmlns:a16="http://schemas.microsoft.com/office/drawing/2014/main" id="{EE918324-5D41-EC6D-85AB-BF56C4BE978C}"/>
+              </a:ext>
+            </a:extLst>
+          </p:cNvPr>
+          <p:cNvSpPr>
+            <a:spLocks noGrp="1"/>
+          </p:cNvSpPr>
+          <p:nvPr>
+            <p:ph type="body" idx="1"/>
+          </p:nvPr>
+        </p:nvSpPr>
+        <p:spPr/>
+        <p:txBody>
+          <a:bodyPr/>
+          <a:lstStyle/>
+          <a:p>
+            <a:r>
+              <a:rPr lang="en-US" dirty="0">
+                <a:latin typeface="Tahoma" panose="020B0604030504040204" pitchFamily="34" charset="0"/>
+                <a:ea typeface="Tahoma" panose="020B0604030504040204" pitchFamily="34" charset="0"/>
+                <a:cs typeface="Tahoma" panose="020B0604030504040204" pitchFamily="34" charset="0"/>
+              </a:rPr>
+              <a:t>The framework that we will be using for this work is HAMR -- a model-driven development tool chain for high assurance embedded systems that emphasizes three layers of development:</a:t>
+            </a:r>
+          </a:p>
+          <a:p>
+            <a:endParaRPr lang="en-US" dirty="0">
+              <a:latin typeface="Tahoma" panose="020B0604030504040204" pitchFamily="34" charset="0"/>
+              <a:ea typeface="Tahoma" panose="020B0604030504040204" pitchFamily="34" charset="0"/>
+              <a:cs typeface="Tahoma" panose="020B0604030504040204" pitchFamily="34" charset="0"/>
+            </a:endParaRPr>
+          </a:p>
+          <a:p>
+            <a:r>
+              <a:rPr lang="en-US" dirty="0">
+                <a:latin typeface="Tahoma" panose="020B0604030504040204" pitchFamily="34" charset="0"/>
+                <a:ea typeface="Tahoma" panose="020B0604030504040204" pitchFamily="34" charset="0"/>
+                <a:cs typeface="Tahoma" panose="020B0604030504040204" pitchFamily="34" charset="0"/>
+              </a:rPr>
+              <a:t>Modeling, analysis and verification in the AADL modeling language, leveraging many tools in the AADL ecosystem</a:t>
+            </a:r>
+          </a:p>
+          <a:p>
+            <a:endParaRPr lang="en-US" dirty="0">
+              <a:latin typeface="Tahoma" panose="020B0604030504040204" pitchFamily="34" charset="0"/>
+              <a:ea typeface="Tahoma" panose="020B0604030504040204" pitchFamily="34" charset="0"/>
+              <a:cs typeface="Tahoma" panose="020B0604030504040204" pitchFamily="34" charset="0"/>
+            </a:endParaRPr>
+          </a:p>
+          <a:p>
+            <a:r>
+              <a:rPr lang="en-US" dirty="0">
+                <a:latin typeface="Tahoma" panose="020B0604030504040204" pitchFamily="34" charset="0"/>
+                <a:ea typeface="Tahoma" panose="020B0604030504040204" pitchFamily="34" charset="0"/>
+                <a:cs typeface="Tahoma" panose="020B0604030504040204" pitchFamily="34" charset="0"/>
+              </a:rPr>
+              <a:t>Development of component application logic in multiple languages include C and Slang (a safety-critical system of Scala with a contract verification framework, which can be translated to C)</a:t>
+            </a:r>
+          </a:p>
+          <a:p>
+            <a:endParaRPr lang="en-US" dirty="0">
+              <a:latin typeface="Tahoma" panose="020B0604030504040204" pitchFamily="34" charset="0"/>
+              <a:ea typeface="Tahoma" panose="020B0604030504040204" pitchFamily="34" charset="0"/>
+              <a:cs typeface="Tahoma" panose="020B0604030504040204" pitchFamily="34" charset="0"/>
+            </a:endParaRPr>
+          </a:p>
+          <a:p>
+            <a:r>
+              <a:rPr lang="en-US" dirty="0">
+                <a:latin typeface="Tahoma" panose="020B0604030504040204" pitchFamily="34" charset="0"/>
+                <a:ea typeface="Tahoma" panose="020B0604030504040204" pitchFamily="34" charset="0"/>
+                <a:cs typeface="Tahoma" panose="020B0604030504040204" pitchFamily="34" charset="0"/>
+              </a:rPr>
+              <a:t>Deployments on multiple platforms including seL4 verified microkernel.</a:t>
+            </a:r>
+          </a:p>
+          <a:p>
+            <a:endParaRPr lang="en-US" dirty="0">
+              <a:latin typeface="Tahoma" panose="020B0604030504040204" pitchFamily="34" charset="0"/>
+              <a:ea typeface="Tahoma" panose="020B0604030504040204" pitchFamily="34" charset="0"/>
+              <a:cs typeface="Tahoma" panose="020B0604030504040204" pitchFamily="34" charset="0"/>
+            </a:endParaRPr>
+          </a:p>
+        </p:txBody>
+      </p:sp>
+      <p:sp>
+        <p:nvSpPr>
+          <p:cNvPr id="4" name="Slide Number Placeholder 3">
+            <a:extLst>
+              <a:ext uri="{FF2B5EF4-FFF2-40B4-BE49-F238E27FC236}">
+                <a16:creationId xmlns:a16="http://schemas.microsoft.com/office/drawing/2014/main" id="{E7DBE30B-FD59-7558-C9ED-8AD88A08200A}"/>
+              </a:ext>
+            </a:extLst>
+          </p:cNvPr>
+          <p:cNvSpPr>
+            <a:spLocks noGrp="1"/>
+          </p:cNvSpPr>
+          <p:nvPr>
+            <p:ph type="sldNum" sz="quarter" idx="5"/>
+          </p:nvPr>
+        </p:nvSpPr>
+        <p:spPr/>
+        <p:txBody>
+          <a:bodyPr/>
+          <a:lstStyle/>
+          <a:p>
+            <a:pPr>
+              <a:defRPr/>
+            </a:pPr>
+            <a:fld id="{2BFE2475-28EF-9A44-97D3-D2287C00B1B1}" type="slidenum">
+              <a:rPr lang="en-US" smtClean="0"/>
+              <a:pPr>
+                <a:defRPr/>
+              </a:pPr>
+              <a:t>3</a:t>
+            </a:fld>
+            <a:endParaRPr lang="en-US"/>
+          </a:p>
+        </p:txBody>
+      </p:sp>
+    </p:spTree>
+    <p:extLst>
+      <p:ext uri="{BB962C8B-B14F-4D97-AF65-F5344CB8AC3E}">
+        <p14:creationId xmlns:p14="http://schemas.microsoft.com/office/powerpoint/2010/main" val="2652087537"/>
       </p:ext>
     </p:extLst>
   </p:cSld>
@@ -4426,14 +4606,7 @@
             </a:r>
             <a:r>
               <a:rPr lang="en-US" sz="4000" dirty="0"/>
-              <a:t> Exercise: </a:t>
-            </a:r>
-            <a:br>
-              <a:rPr lang="en-US" sz="4000" dirty="0"/>
-            </a:br>
-            <a:r>
-              <a:rPr lang="en-US" sz="4000" dirty="0"/>
-              <a:t>Sorting</a:t>
+              <a:t> Exercises</a:t>
             </a:r>
             <a:endParaRPr lang="en-US" sz="5400" dirty="0"/>
           </a:p>
@@ -4948,8 +5121,305 @@
           <a:p>
             <a:r>
               <a:rPr lang="en-US" sz="1600" dirty="0"/>
-              <a:t>Increasingly sorted arrays</a:t>
-            </a:r>
+              <a:t>Selection sort</a:t>
+            </a:r>
+          </a:p>
+        </p:txBody>
+      </p:sp>
+      <p:sp>
+        <p:nvSpPr>
+          <p:cNvPr id="6" name="TextBox 5">
+            <a:extLst>
+              <a:ext uri="{FF2B5EF4-FFF2-40B4-BE49-F238E27FC236}">
+                <a16:creationId xmlns:a16="http://schemas.microsoft.com/office/drawing/2014/main" id="{B92B8C7A-E20C-8DE7-AAE3-1E20B1093A5A}"/>
+              </a:ext>
+            </a:extLst>
+          </p:cNvPr>
+          <p:cNvSpPr txBox="1"/>
+          <p:nvPr/>
+        </p:nvSpPr>
+        <p:spPr>
+          <a:xfrm>
+            <a:off x="5257800" y="2382766"/>
+            <a:ext cx="2971800" cy="1077218"/>
+          </a:xfrm>
+          <a:prstGeom prst="rect">
+            <a:avLst/>
+          </a:prstGeom>
+          <a:gradFill flip="none" rotWithShape="1">
+            <a:gsLst>
+              <a:gs pos="0">
+                <a:schemeClr val="bg1"/>
+              </a:gs>
+              <a:gs pos="74000">
+                <a:srgbClr val="FFE267"/>
+              </a:gs>
+              <a:gs pos="83000">
+                <a:srgbClr val="FFE267"/>
+              </a:gs>
+              <a:gs pos="100000">
+                <a:srgbClr val="FFE267"/>
+              </a:gs>
+            </a:gsLst>
+            <a:lin ang="10800000" scaled="1"/>
+            <a:tileRect/>
+          </a:gradFill>
+        </p:spPr>
+        <p:txBody>
+          <a:bodyPr wrap="square" rtlCol="0">
+            <a:spAutoFit/>
+          </a:bodyPr>
+          <a:lstStyle/>
+          <a:p>
+            <a:r>
+              <a:rPr lang="en-US" sz="1600" dirty="0"/>
+              <a:t>(A) Write a function expressing the theorem that </a:t>
+            </a:r>
+            <a:r>
+              <a:rPr lang="en-US" sz="1600" dirty="0" err="1">
+                <a:solidFill>
+                  <a:srgbClr val="8922FD"/>
+                </a:solidFill>
+                <a:latin typeface="Menlo" panose="020B0609030804020204" pitchFamily="49" charset="0"/>
+                <a:ea typeface="Menlo" panose="020B0609030804020204" pitchFamily="49" charset="0"/>
+                <a:cs typeface="Menlo" panose="020B0609030804020204" pitchFamily="49" charset="0"/>
+              </a:rPr>
+              <a:t>also_sorted</a:t>
+            </a:r>
+            <a:r>
+              <a:rPr lang="en-US" sz="1600" dirty="0">
+                <a:solidFill>
+                  <a:srgbClr val="8922FD"/>
+                </a:solidFill>
+                <a:latin typeface="Menlo" panose="020B0609030804020204" pitchFamily="49" charset="0"/>
+                <a:ea typeface="Menlo" panose="020B0609030804020204" pitchFamily="49" charset="0"/>
+                <a:cs typeface="Menlo" panose="020B0609030804020204" pitchFamily="49" charset="0"/>
+              </a:rPr>
+              <a:t>(a)</a:t>
+            </a:r>
+            <a:r>
+              <a:rPr lang="en-US" sz="1600" dirty="0"/>
+              <a:t> implies </a:t>
+            </a:r>
+            <a:r>
+              <a:rPr lang="en-US" sz="1600" dirty="0">
+                <a:solidFill>
+                  <a:srgbClr val="8922FD"/>
+                </a:solidFill>
+                <a:latin typeface="Menlo" panose="020B0609030804020204" pitchFamily="49" charset="0"/>
+                <a:ea typeface="Menlo" panose="020B0609030804020204" pitchFamily="49" charset="0"/>
+                <a:cs typeface="Menlo" panose="020B0609030804020204" pitchFamily="49" charset="0"/>
+              </a:rPr>
+              <a:t>sorted(a)</a:t>
+            </a:r>
+            <a:r>
+              <a:rPr lang="en-US" sz="1600" dirty="0"/>
+              <a:t>.</a:t>
+            </a:r>
+            <a:endParaRPr lang="en-US" sz="1600" dirty="0">
+              <a:solidFill>
+                <a:srgbClr val="8922FD"/>
+              </a:solidFill>
+            </a:endParaRPr>
+          </a:p>
+        </p:txBody>
+      </p:sp>
+      <p:sp>
+        <p:nvSpPr>
+          <p:cNvPr id="7" name="TextBox 6">
+            <a:extLst>
+              <a:ext uri="{FF2B5EF4-FFF2-40B4-BE49-F238E27FC236}">
+                <a16:creationId xmlns:a16="http://schemas.microsoft.com/office/drawing/2014/main" id="{24AD8E1B-B190-7D8B-673E-4E35733F8C0E}"/>
+              </a:ext>
+            </a:extLst>
+          </p:cNvPr>
+          <p:cNvSpPr txBox="1"/>
+          <p:nvPr/>
+        </p:nvSpPr>
+        <p:spPr>
+          <a:xfrm>
+            <a:off x="5257800" y="3968554"/>
+            <a:ext cx="3505200" cy="338554"/>
+          </a:xfrm>
+          <a:prstGeom prst="rect">
+            <a:avLst/>
+          </a:prstGeom>
+          <a:gradFill flip="none" rotWithShape="1">
+            <a:gsLst>
+              <a:gs pos="0">
+                <a:schemeClr val="bg1"/>
+              </a:gs>
+              <a:gs pos="74000">
+                <a:srgbClr val="FFE267"/>
+              </a:gs>
+              <a:gs pos="83000">
+                <a:srgbClr val="FFE267"/>
+              </a:gs>
+              <a:gs pos="100000">
+                <a:srgbClr val="FFE267"/>
+              </a:gs>
+            </a:gsLst>
+            <a:lin ang="10800000" scaled="1"/>
+            <a:tileRect/>
+          </a:gradFill>
+        </p:spPr>
+        <p:txBody>
+          <a:bodyPr wrap="square" rtlCol="0">
+            <a:spAutoFit/>
+          </a:bodyPr>
+          <a:lstStyle/>
+          <a:p>
+            <a:r>
+              <a:rPr lang="en-US" sz="1600" dirty="0"/>
+              <a:t>(B) Prove it.</a:t>
+            </a:r>
+          </a:p>
+        </p:txBody>
+      </p:sp>
+      <p:pic>
+        <p:nvPicPr>
+          <p:cNvPr id="9" name="Picture 8">
+            <a:extLst>
+              <a:ext uri="{FF2B5EF4-FFF2-40B4-BE49-F238E27FC236}">
+                <a16:creationId xmlns:a16="http://schemas.microsoft.com/office/drawing/2014/main" id="{3D4FBF07-2440-78F8-6D60-B3AC9E85768B}"/>
+              </a:ext>
+            </a:extLst>
+          </p:cNvPr>
+          <p:cNvPicPr>
+            <a:picLocks noChangeAspect="1"/>
+          </p:cNvPicPr>
+          <p:nvPr/>
+        </p:nvPicPr>
+        <p:blipFill>
+          <a:blip r:embed="rId3"/>
+          <a:stretch>
+            <a:fillRect/>
+          </a:stretch>
+        </p:blipFill>
+        <p:spPr>
+          <a:xfrm>
+            <a:off x="541636" y="1607388"/>
+            <a:ext cx="8602364" cy="267475"/>
+          </a:xfrm>
+          <a:prstGeom prst="rect">
+            <a:avLst/>
+          </a:prstGeom>
+        </p:spPr>
+      </p:pic>
+      <p:pic>
+        <p:nvPicPr>
+          <p:cNvPr id="11" name="Picture 10">
+            <a:extLst>
+              <a:ext uri="{FF2B5EF4-FFF2-40B4-BE49-F238E27FC236}">
+                <a16:creationId xmlns:a16="http://schemas.microsoft.com/office/drawing/2014/main" id="{CCE56D01-B137-21A0-F8A8-58D2B91168CA}"/>
+              </a:ext>
+            </a:extLst>
+          </p:cNvPr>
+          <p:cNvPicPr>
+            <a:picLocks noChangeAspect="1"/>
+          </p:cNvPicPr>
+          <p:nvPr/>
+        </p:nvPicPr>
+        <p:blipFill>
+          <a:blip r:embed="rId4"/>
+          <a:stretch>
+            <a:fillRect/>
+          </a:stretch>
+        </p:blipFill>
+        <p:spPr>
+          <a:xfrm>
+            <a:off x="625366" y="1992755"/>
+            <a:ext cx="7772400" cy="272119"/>
+          </a:xfrm>
+          <a:prstGeom prst="rect">
+            <a:avLst/>
+          </a:prstGeom>
+        </p:spPr>
+      </p:pic>
+      <p:pic>
+        <p:nvPicPr>
+          <p:cNvPr id="13" name="Picture 12">
+            <a:extLst>
+              <a:ext uri="{FF2B5EF4-FFF2-40B4-BE49-F238E27FC236}">
+                <a16:creationId xmlns:a16="http://schemas.microsoft.com/office/drawing/2014/main" id="{DA6C7881-070D-9A66-456A-6A1B0612BEB6}"/>
+              </a:ext>
+            </a:extLst>
+          </p:cNvPr>
+          <p:cNvPicPr>
+            <a:picLocks noChangeAspect="1"/>
+          </p:cNvPicPr>
+          <p:nvPr/>
+        </p:nvPicPr>
+        <p:blipFill>
+          <a:blip r:embed="rId5"/>
+          <a:stretch>
+            <a:fillRect/>
+          </a:stretch>
+        </p:blipFill>
+        <p:spPr>
+          <a:xfrm>
+            <a:off x="541636" y="3563445"/>
+            <a:ext cx="5864831" cy="305659"/>
+          </a:xfrm>
+          <a:prstGeom prst="rect">
+            <a:avLst/>
+          </a:prstGeom>
+        </p:spPr>
+      </p:pic>
+      <p:sp>
+        <p:nvSpPr>
+          <p:cNvPr id="14" name="TextBox 13">
+            <a:extLst>
+              <a:ext uri="{FF2B5EF4-FFF2-40B4-BE49-F238E27FC236}">
+                <a16:creationId xmlns:a16="http://schemas.microsoft.com/office/drawing/2014/main" id="{4ECA007E-2701-2B1D-8EB7-1B5C78E1D3EB}"/>
+              </a:ext>
+            </a:extLst>
+          </p:cNvPr>
+          <p:cNvSpPr txBox="1"/>
+          <p:nvPr/>
+        </p:nvSpPr>
+        <p:spPr>
+          <a:xfrm>
+            <a:off x="5257800" y="4477124"/>
+            <a:ext cx="3505200" cy="338554"/>
+          </a:xfrm>
+          <a:prstGeom prst="rect">
+            <a:avLst/>
+          </a:prstGeom>
+          <a:gradFill flip="none" rotWithShape="1">
+            <a:gsLst>
+              <a:gs pos="0">
+                <a:schemeClr val="bg1"/>
+              </a:gs>
+              <a:gs pos="74000">
+                <a:srgbClr val="FFE267"/>
+              </a:gs>
+              <a:gs pos="83000">
+                <a:srgbClr val="FFE267"/>
+              </a:gs>
+              <a:gs pos="100000">
+                <a:srgbClr val="FFE267"/>
+              </a:gs>
+            </a:gsLst>
+            <a:lin ang="10800000" scaled="1"/>
+            <a:tileRect/>
+          </a:gradFill>
+        </p:spPr>
+        <p:txBody>
+          <a:bodyPr wrap="square" rtlCol="0">
+            <a:spAutoFit/>
+          </a:bodyPr>
+          <a:lstStyle/>
+          <a:p>
+            <a:r>
+              <a:rPr lang="en-US" sz="1600" dirty="0"/>
+              <a:t>Hint: Use </a:t>
+            </a:r>
+            <a:r>
+              <a:rPr lang="en-US" sz="1600"/>
+              <a:t>a while loop.</a:t>
+            </a:r>
+            <a:endParaRPr lang="en-US" sz="1600" dirty="0"/>
           </a:p>
         </p:txBody>
       </p:sp>
@@ -4957,6 +5427,321 @@
     <p:extLst>
       <p:ext uri="{BB962C8B-B14F-4D97-AF65-F5344CB8AC3E}">
         <p14:creationId xmlns:p14="http://schemas.microsoft.com/office/powerpoint/2010/main" val="974532288"/>
+      </p:ext>
+    </p:extLst>
+  </p:cSld>
+  <p:clrMapOvr>
+    <a:masterClrMapping/>
+  </p:clrMapOvr>
+</p:sld>
+</file>
+
+<file path=ppt/slides/slide3.xml><?xml version="1.0" encoding="utf-8"?>
+<p:sld xmlns:a="http://schemas.openxmlformats.org/drawingml/2006/main" xmlns:r="http://schemas.openxmlformats.org/officeDocument/2006/relationships" xmlns:p="http://schemas.openxmlformats.org/presentationml/2006/main">
+  <p:cSld>
+    <p:spTree>
+      <p:nvGrpSpPr>
+        <p:cNvPr id="1" name="">
+          <a:extLst>
+            <a:ext uri="{FF2B5EF4-FFF2-40B4-BE49-F238E27FC236}">
+              <a16:creationId xmlns:a16="http://schemas.microsoft.com/office/drawing/2014/main" id="{CAAB8D35-99B4-6F80-337B-69E70636E3F6}"/>
+            </a:ext>
+          </a:extLst>
+        </p:cNvPr>
+        <p:cNvGrpSpPr/>
+        <p:nvPr/>
+      </p:nvGrpSpPr>
+      <p:grpSpPr>
+        <a:xfrm>
+          <a:off x="0" y="0"/>
+          <a:ext cx="0" cy="0"/>
+          <a:chOff x="0" y="0"/>
+          <a:chExt cx="0" cy="0"/>
+        </a:xfrm>
+      </p:grpSpPr>
+      <p:sp>
+        <p:nvSpPr>
+          <p:cNvPr id="2" name="Title 1">
+            <a:extLst>
+              <a:ext uri="{FF2B5EF4-FFF2-40B4-BE49-F238E27FC236}">
+                <a16:creationId xmlns:a16="http://schemas.microsoft.com/office/drawing/2014/main" id="{3D74528A-E874-1273-D0A3-3E89DC18C34D}"/>
+              </a:ext>
+            </a:extLst>
+          </p:cNvPr>
+          <p:cNvSpPr>
+            <a:spLocks noGrp="1"/>
+          </p:cNvSpPr>
+          <p:nvPr>
+            <p:ph type="title"/>
+          </p:nvPr>
+        </p:nvSpPr>
+        <p:spPr/>
+        <p:txBody>
+          <a:bodyPr/>
+          <a:lstStyle/>
+          <a:p>
+            <a:r>
+              <a:rPr lang="en-US" sz="3600" dirty="0"/>
+              <a:t>Sorting an Array</a:t>
+            </a:r>
+          </a:p>
+        </p:txBody>
+      </p:sp>
+      <p:sp>
+        <p:nvSpPr>
+          <p:cNvPr id="128" name="Slide Number Placeholder 127">
+            <a:extLst>
+              <a:ext uri="{FF2B5EF4-FFF2-40B4-BE49-F238E27FC236}">
+                <a16:creationId xmlns:a16="http://schemas.microsoft.com/office/drawing/2014/main" id="{B2FB6944-4D56-72C2-0F8E-9E84F4B9958C}"/>
+              </a:ext>
+            </a:extLst>
+          </p:cNvPr>
+          <p:cNvSpPr>
+            <a:spLocks noGrp="1"/>
+          </p:cNvSpPr>
+          <p:nvPr>
+            <p:ph type="sldNum" sz="quarter" idx="11"/>
+          </p:nvPr>
+        </p:nvSpPr>
+        <p:spPr/>
+        <p:txBody>
+          <a:bodyPr/>
+          <a:lstStyle/>
+          <a:p>
+            <a:pPr>
+              <a:defRPr/>
+            </a:pPr>
+            <a:fld id="{6E0AA622-F4CE-604D-A669-CD3D12FC535C}" type="slidenum">
+              <a:rPr lang="en-US" smtClean="0"/>
+              <a:pPr>
+                <a:defRPr/>
+              </a:pPr>
+              <a:t>3</a:t>
+            </a:fld>
+            <a:endParaRPr lang="en-US" dirty="0"/>
+          </a:p>
+        </p:txBody>
+      </p:sp>
+      <p:sp>
+        <p:nvSpPr>
+          <p:cNvPr id="3" name="TextBox 2">
+            <a:extLst>
+              <a:ext uri="{FF2B5EF4-FFF2-40B4-BE49-F238E27FC236}">
+                <a16:creationId xmlns:a16="http://schemas.microsoft.com/office/drawing/2014/main" id="{18512F76-9E2B-0325-DA8A-6227FA2DF667}"/>
+              </a:ext>
+            </a:extLst>
+          </p:cNvPr>
+          <p:cNvSpPr txBox="1"/>
+          <p:nvPr/>
+        </p:nvSpPr>
+        <p:spPr>
+          <a:xfrm>
+            <a:off x="381000" y="1158925"/>
+            <a:ext cx="8016766" cy="338554"/>
+          </a:xfrm>
+          <a:prstGeom prst="rect">
+            <a:avLst/>
+          </a:prstGeom>
+          <a:gradFill flip="none" rotWithShape="1">
+            <a:gsLst>
+              <a:gs pos="0">
+                <a:schemeClr val="bg1"/>
+              </a:gs>
+              <a:gs pos="74000">
+                <a:srgbClr val="FFE267"/>
+              </a:gs>
+              <a:gs pos="83000">
+                <a:srgbClr val="FFE267"/>
+              </a:gs>
+              <a:gs pos="100000">
+                <a:srgbClr val="FFE267"/>
+              </a:gs>
+            </a:gsLst>
+            <a:lin ang="10800000" scaled="1"/>
+            <a:tileRect/>
+          </a:gradFill>
+        </p:spPr>
+        <p:txBody>
+          <a:bodyPr wrap="square" rtlCol="0">
+            <a:spAutoFit/>
+          </a:bodyPr>
+          <a:lstStyle/>
+          <a:p>
+            <a:r>
+              <a:rPr lang="en-US" sz="1600" dirty="0"/>
+              <a:t>Selection sort</a:t>
+            </a:r>
+          </a:p>
+        </p:txBody>
+      </p:sp>
+      <p:pic>
+        <p:nvPicPr>
+          <p:cNvPr id="5" name="Picture 4" descr="A screenshot of a computer program&#10;&#10;Description automatically generated">
+            <a:extLst>
+              <a:ext uri="{FF2B5EF4-FFF2-40B4-BE49-F238E27FC236}">
+                <a16:creationId xmlns:a16="http://schemas.microsoft.com/office/drawing/2014/main" id="{D52DA1B6-8346-3DE3-7FE9-00E92E10B8C5}"/>
+              </a:ext>
+            </a:extLst>
+          </p:cNvPr>
+          <p:cNvPicPr>
+            <a:picLocks noChangeAspect="1"/>
+          </p:cNvPicPr>
+          <p:nvPr/>
+        </p:nvPicPr>
+        <p:blipFill>
+          <a:blip r:embed="rId3"/>
+          <a:stretch>
+            <a:fillRect/>
+          </a:stretch>
+        </p:blipFill>
+        <p:spPr>
+          <a:xfrm>
+            <a:off x="533400" y="1497479"/>
+            <a:ext cx="6449248" cy="5360521"/>
+          </a:xfrm>
+          <a:prstGeom prst="rect">
+            <a:avLst/>
+          </a:prstGeom>
+        </p:spPr>
+      </p:pic>
+      <p:sp>
+        <p:nvSpPr>
+          <p:cNvPr id="6" name="TextBox 5">
+            <a:extLst>
+              <a:ext uri="{FF2B5EF4-FFF2-40B4-BE49-F238E27FC236}">
+                <a16:creationId xmlns:a16="http://schemas.microsoft.com/office/drawing/2014/main" id="{37537078-C52E-E1A7-581D-7861BC9B1705}"/>
+              </a:ext>
+            </a:extLst>
+          </p:cNvPr>
+          <p:cNvSpPr txBox="1"/>
+          <p:nvPr/>
+        </p:nvSpPr>
+        <p:spPr>
+          <a:xfrm>
+            <a:off x="5257800" y="1515116"/>
+            <a:ext cx="2971800" cy="584775"/>
+          </a:xfrm>
+          <a:prstGeom prst="rect">
+            <a:avLst/>
+          </a:prstGeom>
+          <a:gradFill flip="none" rotWithShape="1">
+            <a:gsLst>
+              <a:gs pos="0">
+                <a:schemeClr val="bg1"/>
+              </a:gs>
+              <a:gs pos="74000">
+                <a:srgbClr val="FFE267"/>
+              </a:gs>
+              <a:gs pos="83000">
+                <a:srgbClr val="FFE267"/>
+              </a:gs>
+              <a:gs pos="100000">
+                <a:srgbClr val="FFE267"/>
+              </a:gs>
+            </a:gsLst>
+            <a:lin ang="10800000" scaled="1"/>
+            <a:tileRect/>
+          </a:gradFill>
+        </p:spPr>
+        <p:txBody>
+          <a:bodyPr wrap="square" rtlCol="0">
+            <a:spAutoFit/>
+          </a:bodyPr>
+          <a:lstStyle/>
+          <a:p>
+            <a:r>
+              <a:rPr lang="en-US" sz="1600" dirty="0"/>
+              <a:t>(A) Refactor the function by unfolding </a:t>
+            </a:r>
+            <a:r>
+              <a:rPr lang="en-US" sz="1600" dirty="0" err="1">
+                <a:solidFill>
+                  <a:srgbClr val="8922FD"/>
+                </a:solidFill>
+                <a:latin typeface="Menlo" panose="020B0609030804020204" pitchFamily="49" charset="0"/>
+                <a:ea typeface="Menlo" panose="020B0609030804020204" pitchFamily="49" charset="0"/>
+                <a:cs typeface="Menlo" panose="020B0609030804020204" pitchFamily="49" charset="0"/>
+              </a:rPr>
+              <a:t>findMin</a:t>
+            </a:r>
+            <a:r>
+              <a:rPr lang="en-US" sz="1600" dirty="0"/>
+              <a:t> and </a:t>
+            </a:r>
+            <a:r>
+              <a:rPr lang="en-US" sz="1600" dirty="0">
+                <a:solidFill>
+                  <a:srgbClr val="8922FD"/>
+                </a:solidFill>
+                <a:latin typeface="Menlo" panose="020B0609030804020204" pitchFamily="49" charset="0"/>
+                <a:ea typeface="Menlo" panose="020B0609030804020204" pitchFamily="49" charset="0"/>
+                <a:cs typeface="Menlo" panose="020B0609030804020204" pitchFamily="49" charset="0"/>
+              </a:rPr>
+              <a:t>swap</a:t>
+            </a:r>
+            <a:r>
+              <a:rPr lang="en-US" sz="1600" dirty="0"/>
+              <a:t> </a:t>
+            </a:r>
+          </a:p>
+        </p:txBody>
+      </p:sp>
+      <p:sp>
+        <p:nvSpPr>
+          <p:cNvPr id="7" name="TextBox 6">
+            <a:extLst>
+              <a:ext uri="{FF2B5EF4-FFF2-40B4-BE49-F238E27FC236}">
+                <a16:creationId xmlns:a16="http://schemas.microsoft.com/office/drawing/2014/main" id="{0DB98674-975D-6CA8-1875-5580AF984C8F}"/>
+              </a:ext>
+            </a:extLst>
+          </p:cNvPr>
+          <p:cNvSpPr txBox="1"/>
+          <p:nvPr/>
+        </p:nvSpPr>
+        <p:spPr>
+          <a:xfrm>
+            <a:off x="5257800" y="2209800"/>
+            <a:ext cx="3505200" cy="338554"/>
+          </a:xfrm>
+          <a:prstGeom prst="rect">
+            <a:avLst/>
+          </a:prstGeom>
+          <a:gradFill flip="none" rotWithShape="1">
+            <a:gsLst>
+              <a:gs pos="0">
+                <a:schemeClr val="bg1"/>
+              </a:gs>
+              <a:gs pos="74000">
+                <a:srgbClr val="FFE267"/>
+              </a:gs>
+              <a:gs pos="83000">
+                <a:srgbClr val="FFE267"/>
+              </a:gs>
+              <a:gs pos="100000">
+                <a:srgbClr val="FFE267"/>
+              </a:gs>
+            </a:gsLst>
+            <a:lin ang="10800000" scaled="1"/>
+            <a:tileRect/>
+          </a:gradFill>
+        </p:spPr>
+        <p:txBody>
+          <a:bodyPr wrap="square" rtlCol="0">
+            <a:spAutoFit/>
+          </a:bodyPr>
+          <a:lstStyle/>
+          <a:p>
+            <a:r>
+              <a:rPr lang="en-US" sz="1600" dirty="0"/>
+              <a:t>(B) Adapt the proof correspondingly</a:t>
+            </a:r>
+          </a:p>
+        </p:txBody>
+      </p:sp>
+    </p:spTree>
+    <p:extLst>
+      <p:ext uri="{BB962C8B-B14F-4D97-AF65-F5344CB8AC3E}">
+        <p14:creationId xmlns:p14="http://schemas.microsoft.com/office/powerpoint/2010/main" val="1908109985"/>
       </p:ext>
     </p:extLst>
   </p:cSld>

--- a/slides/M-02-03-Exercise-Sorting.pptx
+++ b/slides/M-02-03-Exercise-Sorting.pptx
@@ -5033,8 +5033,16 @@
           <a:lstStyle/>
           <a:p>
             <a:r>
+              <a:rPr lang="en-US" sz="3600" dirty="0" err="1"/>
+              <a:t>Sortedness</a:t>
+            </a:r>
+            <a:r>
+              <a:rPr lang="en-US" sz="3600"/>
+              <a:t> of </a:t>
+            </a:r>
+            <a:r>
               <a:rPr lang="en-US" sz="3600" dirty="0"/>
-              <a:t>Sorting an Array</a:t>
+              <a:t>an Array</a:t>
             </a:r>
           </a:p>
         </p:txBody>
@@ -5121,7 +5129,7 @@
           <a:p>
             <a:r>
               <a:rPr lang="en-US" sz="1600" dirty="0"/>
-              <a:t>Selection sort</a:t>
+              <a:t>Two definitions of “sorted”</a:t>
             </a:r>
           </a:p>
         </p:txBody>

--- a/slides/M-02-03-Exercise-Sorting.pptx
+++ b/slides/M-02-03-Exercise-Sorting.pptx
@@ -4877,10 +4877,46 @@
       </p:sp>
       <p:sp>
         <p:nvSpPr>
-          <p:cNvPr id="5" name="Rectangle 4">
+          <p:cNvPr id="16" name="TextBox 15">
             <a:extLst>
               <a:ext uri="{FF2B5EF4-FFF2-40B4-BE49-F238E27FC236}">
-                <a16:creationId xmlns:a16="http://schemas.microsoft.com/office/drawing/2014/main" id="{38E4B0B0-22E8-1340-AA2C-68C72F08D6A5}"/>
+                <a16:creationId xmlns:a16="http://schemas.microsoft.com/office/drawing/2014/main" id="{663EBDB7-43CB-B144-9456-14002C9FB986}"/>
+              </a:ext>
+            </a:extLst>
+          </p:cNvPr>
+          <p:cNvSpPr txBox="1"/>
+          <p:nvPr/>
+        </p:nvSpPr>
+        <p:spPr>
+          <a:xfrm>
+            <a:off x="457200" y="6400800"/>
+            <a:ext cx="8453927" cy="369332"/>
+          </a:xfrm>
+          <a:prstGeom prst="rect">
+            <a:avLst/>
+          </a:prstGeom>
+          <a:noFill/>
+        </p:spPr>
+        <p:txBody>
+          <a:bodyPr wrap="square">
+            <a:spAutoFit/>
+          </a:bodyPr>
+          <a:lstStyle/>
+          <a:p>
+            <a:pPr algn="ctr"/>
+            <a:r>
+              <a:rPr lang="en-US" sz="900" dirty="0"/>
+              <a:t>DISCLAIMER: The views and conclusions contained in this presentation are those of the author and should not be interpreted as representing the official policies, either express or implied, of any agency or department of the U.S. Government, Kansas State University or Aarhus University</a:t>
+            </a:r>
+          </a:p>
+        </p:txBody>
+      </p:sp>
+      <p:sp>
+        <p:nvSpPr>
+          <p:cNvPr id="2" name="Rectangle 1">
+            <a:extLst>
+              <a:ext uri="{FF2B5EF4-FFF2-40B4-BE49-F238E27FC236}">
+                <a16:creationId xmlns:a16="http://schemas.microsoft.com/office/drawing/2014/main" id="{D7032120-55DC-1918-97FD-888FE1E179AD}"/>
               </a:ext>
             </a:extLst>
           </p:cNvPr>
@@ -4889,8 +4925,8 @@
         </p:nvSpPr>
         <p:spPr bwMode="auto">
           <a:xfrm flipV="1">
-            <a:off x="2317125" y="4599080"/>
-            <a:ext cx="1421121" cy="277720"/>
+            <a:off x="4953000" y="4396636"/>
+            <a:ext cx="1832233" cy="277720"/>
           </a:xfrm>
           <a:prstGeom prst="rect">
             <a:avLst/>
@@ -4941,42 +4977,6 @@
               <a:effectLst/>
               <a:latin typeface="Tahoma" charset="0"/>
             </a:endParaRPr>
-          </a:p>
-        </p:txBody>
-      </p:sp>
-      <p:sp>
-        <p:nvSpPr>
-          <p:cNvPr id="16" name="TextBox 15">
-            <a:extLst>
-              <a:ext uri="{FF2B5EF4-FFF2-40B4-BE49-F238E27FC236}">
-                <a16:creationId xmlns:a16="http://schemas.microsoft.com/office/drawing/2014/main" id="{663EBDB7-43CB-B144-9456-14002C9FB986}"/>
-              </a:ext>
-            </a:extLst>
-          </p:cNvPr>
-          <p:cNvSpPr txBox="1"/>
-          <p:nvPr/>
-        </p:nvSpPr>
-        <p:spPr>
-          <a:xfrm>
-            <a:off x="457200" y="6400800"/>
-            <a:ext cx="8453927" cy="369332"/>
-          </a:xfrm>
-          <a:prstGeom prst="rect">
-            <a:avLst/>
-          </a:prstGeom>
-          <a:noFill/>
-        </p:spPr>
-        <p:txBody>
-          <a:bodyPr wrap="square">
-            <a:spAutoFit/>
-          </a:bodyPr>
-          <a:lstStyle/>
-          <a:p>
-            <a:pPr algn="ctr"/>
-            <a:r>
-              <a:rPr lang="en-US" sz="900" dirty="0"/>
-              <a:t>DISCLAIMER: The views and conclusions contained in this presentation are those of the author and should not be interpreted as representing the official policies, either express or implied, of any agency or department of the U.S. Government, Kansas State University or Aarhus University</a:t>
-            </a:r>
           </a:p>
         </p:txBody>
       </p:sp>
@@ -5033,16 +5033,16 @@
           <a:lstStyle/>
           <a:p>
             <a:r>
+              <a:rPr lang="en-US" sz="3600" dirty="0"/>
+              <a:t>Exercise: </a:t>
+            </a:r>
+            <a:r>
               <a:rPr lang="en-US" sz="3600" dirty="0" err="1"/>
               <a:t>Sortedness</a:t>
             </a:r>
             <a:r>
-              <a:rPr lang="en-US" sz="3600"/>
-              <a:t> of </a:t>
-            </a:r>
-            <a:r>
               <a:rPr lang="en-US" sz="3600" dirty="0"/>
-              <a:t>an Array</a:t>
+              <a:t> of an Array</a:t>
             </a:r>
           </a:p>
         </p:txBody>
@@ -5428,6 +5428,80 @@
               <a:t>a while loop.</a:t>
             </a:r>
             <a:endParaRPr lang="en-US" sz="1600" dirty="0"/>
+          </a:p>
+        </p:txBody>
+      </p:sp>
+      <p:sp>
+        <p:nvSpPr>
+          <p:cNvPr id="4" name="Rectangle 3">
+            <a:extLst>
+              <a:ext uri="{FF2B5EF4-FFF2-40B4-BE49-F238E27FC236}">
+                <a16:creationId xmlns:a16="http://schemas.microsoft.com/office/drawing/2014/main" id="{24C208D5-F6EA-D4F9-5F21-DE5DD14042B3}"/>
+              </a:ext>
+            </a:extLst>
+          </p:cNvPr>
+          <p:cNvSpPr/>
+          <p:nvPr/>
+        </p:nvSpPr>
+        <p:spPr bwMode="auto">
+          <a:xfrm>
+            <a:off x="533400" y="5485151"/>
+            <a:ext cx="3429000" cy="381000"/>
+          </a:xfrm>
+          <a:prstGeom prst="rect">
+            <a:avLst/>
+          </a:prstGeom>
+          <a:solidFill>
+            <a:srgbClr val="FFE267"/>
+          </a:solidFill>
+          <a:ln w="25400" cap="flat" cmpd="sng" algn="ctr">
+            <a:solidFill>
+              <a:srgbClr val="C00000"/>
+            </a:solidFill>
+            <a:prstDash val="solid"/>
+            <a:miter lim="800000"/>
+            <a:headEnd type="none" w="med" len="med"/>
+            <a:tailEnd type="none" w="med" len="med"/>
+          </a:ln>
+          <a:effectLst/>
+        </p:spPr>
+        <p:txBody>
+          <a:bodyPr vert="horz" wrap="none" lIns="91440" tIns="45720" rIns="91440" bIns="45720" numCol="1" rtlCol="0" anchor="t" anchorCtr="0" compatLnSpc="1">
+            <a:prstTxWarp prst="textNoShape">
+              <a:avLst/>
+            </a:prstTxWarp>
+          </a:bodyPr>
+          <a:lstStyle/>
+          <a:p>
+            <a:pPr marL="0" marR="0" indent="0" algn="l" defTabSz="914400" rtl="0" eaLnBrk="1" fontAlgn="base" latinLnBrk="0" hangingPunct="1">
+              <a:lnSpc>
+                <a:spcPct val="100000"/>
+              </a:lnSpc>
+              <a:spcBef>
+                <a:spcPct val="0"/>
+              </a:spcBef>
+              <a:spcAft>
+                <a:spcPct val="0"/>
+              </a:spcAft>
+              <a:buClrTx/>
+              <a:buSzTx/>
+              <a:buFontTx/>
+              <a:buNone/>
+              <a:tabLst/>
+            </a:pPr>
+            <a:r>
+              <a:rPr kumimoji="0" lang="en-GB" sz="1800" b="0" i="0" u="none" strike="noStrike" cap="none" normalizeH="0" baseline="0" dirty="0">
+                <a:ln>
+                  <a:noFill/>
+                </a:ln>
+                <a:solidFill>
+                  <a:schemeClr val="tx1"/>
+                </a:solidFill>
+                <a:effectLst/>
+                <a:latin typeface="Tahoma" charset="0"/>
+              </a:rPr>
+              <a:t>File: M02_03_1_Sorted_Array.sc</a:t>
+            </a:r>
           </a:p>
         </p:txBody>
       </p:sp>
@@ -5489,8 +5563,12 @@
           <a:lstStyle/>
           <a:p>
             <a:r>
+              <a:rPr lang="en-US" sz="3600"/>
+              <a:t>Exercise: Sorting </a:t>
+            </a:r>
+            <a:r>
               <a:rPr lang="en-US" sz="3600" dirty="0"/>
-              <a:t>Sorting an Array</a:t>
+              <a:t>an Array</a:t>
             </a:r>
           </a:p>
         </p:txBody>
@@ -5742,6 +5820,346 @@
             <a:r>
               <a:rPr lang="en-US" sz="1600" dirty="0"/>
               <a:t>(B) Adapt the proof correspondingly</a:t>
+            </a:r>
+          </a:p>
+        </p:txBody>
+      </p:sp>
+      <p:sp>
+        <p:nvSpPr>
+          <p:cNvPr id="4" name="Rectangle 3">
+            <a:extLst>
+              <a:ext uri="{FF2B5EF4-FFF2-40B4-BE49-F238E27FC236}">
+                <a16:creationId xmlns:a16="http://schemas.microsoft.com/office/drawing/2014/main" id="{BA06C679-30DD-2353-2D3A-03CDA9EBC6DF}"/>
+              </a:ext>
+            </a:extLst>
+          </p:cNvPr>
+          <p:cNvSpPr/>
+          <p:nvPr/>
+        </p:nvSpPr>
+        <p:spPr bwMode="auto">
+          <a:xfrm>
+            <a:off x="5105400" y="4758110"/>
+            <a:ext cx="1877248" cy="400110"/>
+          </a:xfrm>
+          <a:prstGeom prst="rect">
+            <a:avLst/>
+          </a:prstGeom>
+          <a:solidFill>
+            <a:srgbClr val="FFE267"/>
+          </a:solidFill>
+          <a:ln w="9525" cap="flat" cmpd="sng" algn="ctr">
+            <a:solidFill>
+              <a:schemeClr val="tx1"/>
+            </a:solidFill>
+            <a:prstDash val="solid"/>
+            <a:miter lim="800000"/>
+            <a:headEnd type="none" w="med" len="med"/>
+            <a:tailEnd type="none" w="med" len="med"/>
+          </a:ln>
+          <a:effectLst/>
+        </p:spPr>
+        <p:txBody>
+          <a:bodyPr vert="horz" wrap="square" lIns="91440" tIns="45720" rIns="91440" bIns="45720" numCol="1" rtlCol="0" anchor="t" anchorCtr="0" compatLnSpc="1">
+            <a:prstTxWarp prst="textNoShape">
+              <a:avLst/>
+            </a:prstTxWarp>
+          </a:bodyPr>
+          <a:lstStyle/>
+          <a:p>
+            <a:pPr marL="0" marR="0" indent="0" algn="l" defTabSz="914400" rtl="0" eaLnBrk="1" fontAlgn="base" latinLnBrk="0" hangingPunct="1">
+              <a:lnSpc>
+                <a:spcPct val="100000"/>
+              </a:lnSpc>
+              <a:spcBef>
+                <a:spcPct val="0"/>
+              </a:spcBef>
+              <a:spcAft>
+                <a:spcPct val="0"/>
+              </a:spcAft>
+              <a:buClrTx/>
+              <a:buSzTx/>
+              <a:buFontTx/>
+              <a:buNone/>
+              <a:tabLst/>
+            </a:pPr>
+            <a:r>
+              <a:rPr kumimoji="0" lang="en-GB" sz="1800" b="0" i="0" u="none" strike="noStrike" cap="none" normalizeH="0" baseline="0" dirty="0">
+                <a:ln>
+                  <a:noFill/>
+                </a:ln>
+                <a:solidFill>
+                  <a:schemeClr val="tx1"/>
+                </a:solidFill>
+                <a:effectLst/>
+                <a:latin typeface="Tahoma" charset="0"/>
+              </a:rPr>
+              <a:t>Unfold </a:t>
+            </a:r>
+            <a:r>
+              <a:rPr kumimoji="0" lang="en-GB" sz="1800" b="0" i="0" u="none" strike="noStrike" cap="none" normalizeH="0" baseline="0" dirty="0" err="1">
+                <a:ln>
+                  <a:noFill/>
+                </a:ln>
+                <a:solidFill>
+                  <a:srgbClr val="8922FD"/>
+                </a:solidFill>
+                <a:effectLst/>
+                <a:latin typeface="Menlo" panose="020B0609030804020204" pitchFamily="49" charset="0"/>
+                <a:ea typeface="Menlo" panose="020B0609030804020204" pitchFamily="49" charset="0"/>
+                <a:cs typeface="Menlo" panose="020B0609030804020204" pitchFamily="49" charset="0"/>
+              </a:rPr>
+              <a:t>findMin</a:t>
+            </a:r>
+            <a:endParaRPr kumimoji="0" lang="en-GB" sz="1800" b="0" i="0" u="none" strike="noStrike" cap="none" normalizeH="0" baseline="0" dirty="0">
+              <a:ln>
+                <a:noFill/>
+              </a:ln>
+              <a:solidFill>
+                <a:srgbClr val="8922FD"/>
+              </a:solidFill>
+              <a:effectLst/>
+              <a:latin typeface="Menlo" panose="020B0609030804020204" pitchFamily="49" charset="0"/>
+              <a:ea typeface="Menlo" panose="020B0609030804020204" pitchFamily="49" charset="0"/>
+              <a:cs typeface="Menlo" panose="020B0609030804020204" pitchFamily="49" charset="0"/>
+            </a:endParaRPr>
+          </a:p>
+        </p:txBody>
+      </p:sp>
+      <p:cxnSp>
+        <p:nvCxnSpPr>
+          <p:cNvPr id="8" name="Straight Arrow Connector 7">
+            <a:extLst>
+              <a:ext uri="{FF2B5EF4-FFF2-40B4-BE49-F238E27FC236}">
+                <a16:creationId xmlns:a16="http://schemas.microsoft.com/office/drawing/2014/main" id="{7AC0EA7D-16BF-D8DF-ACD0-683C2B4D543A}"/>
+              </a:ext>
+            </a:extLst>
+          </p:cNvPr>
+          <p:cNvCxnSpPr>
+            <a:cxnSpLocks/>
+            <a:stCxn id="4" idx="1"/>
+          </p:cNvCxnSpPr>
+          <p:nvPr/>
+        </p:nvCxnSpPr>
+        <p:spPr bwMode="auto">
+          <a:xfrm flipH="1">
+            <a:off x="3657600" y="4958165"/>
+            <a:ext cx="1447800" cy="200055"/>
+          </a:xfrm>
+          <a:prstGeom prst="straightConnector1">
+            <a:avLst/>
+          </a:prstGeom>
+          <a:solidFill>
+            <a:schemeClr val="accent1"/>
+          </a:solidFill>
+          <a:ln w="15875" cap="flat" cmpd="sng" algn="ctr">
+            <a:solidFill>
+              <a:schemeClr val="tx1"/>
+            </a:solidFill>
+            <a:prstDash val="solid"/>
+            <a:miter lim="800000"/>
+            <a:headEnd type="none" w="med" len="med"/>
+            <a:tailEnd type="triangle" w="lg" len="med"/>
+          </a:ln>
+          <a:effectLst/>
+        </p:spPr>
+      </p:cxnSp>
+      <p:sp>
+        <p:nvSpPr>
+          <p:cNvPr id="11" name="Rectangle 10">
+            <a:extLst>
+              <a:ext uri="{FF2B5EF4-FFF2-40B4-BE49-F238E27FC236}">
+                <a16:creationId xmlns:a16="http://schemas.microsoft.com/office/drawing/2014/main" id="{76DB779C-9BBF-6FF3-BB76-8200B27CB2A0}"/>
+              </a:ext>
+            </a:extLst>
+          </p:cNvPr>
+          <p:cNvSpPr/>
+          <p:nvPr/>
+        </p:nvSpPr>
+        <p:spPr bwMode="auto">
+          <a:xfrm>
+            <a:off x="4495800" y="5870250"/>
+            <a:ext cx="1524000" cy="400110"/>
+          </a:xfrm>
+          <a:prstGeom prst="rect">
+            <a:avLst/>
+          </a:prstGeom>
+          <a:solidFill>
+            <a:srgbClr val="FFE267"/>
+          </a:solidFill>
+          <a:ln w="9525" cap="flat" cmpd="sng" algn="ctr">
+            <a:solidFill>
+              <a:schemeClr val="tx1"/>
+            </a:solidFill>
+            <a:prstDash val="solid"/>
+            <a:miter lim="800000"/>
+            <a:headEnd type="none" w="med" len="med"/>
+            <a:tailEnd type="none" w="med" len="med"/>
+          </a:ln>
+          <a:effectLst/>
+        </p:spPr>
+        <p:txBody>
+          <a:bodyPr vert="horz" wrap="square" lIns="91440" tIns="45720" rIns="91440" bIns="45720" numCol="1" rtlCol="0" anchor="t" anchorCtr="0" compatLnSpc="1">
+            <a:prstTxWarp prst="textNoShape">
+              <a:avLst/>
+            </a:prstTxWarp>
+          </a:bodyPr>
+          <a:lstStyle/>
+          <a:p>
+            <a:pPr marL="0" marR="0" indent="0" algn="l" defTabSz="914400" rtl="0" eaLnBrk="1" fontAlgn="base" latinLnBrk="0" hangingPunct="1">
+              <a:lnSpc>
+                <a:spcPct val="100000"/>
+              </a:lnSpc>
+              <a:spcBef>
+                <a:spcPct val="0"/>
+              </a:spcBef>
+              <a:spcAft>
+                <a:spcPct val="0"/>
+              </a:spcAft>
+              <a:buClrTx/>
+              <a:buSzTx/>
+              <a:buFontTx/>
+              <a:buNone/>
+              <a:tabLst/>
+            </a:pPr>
+            <a:r>
+              <a:rPr kumimoji="0" lang="en-GB" sz="1800" b="0" i="0" u="none" strike="noStrike" cap="none" normalizeH="0" baseline="0" dirty="0">
+                <a:ln>
+                  <a:noFill/>
+                </a:ln>
+                <a:solidFill>
+                  <a:schemeClr val="tx1"/>
+                </a:solidFill>
+                <a:effectLst/>
+                <a:latin typeface="Tahoma" charset="0"/>
+              </a:rPr>
+              <a:t>Unfold </a:t>
+            </a:r>
+            <a:r>
+              <a:rPr kumimoji="0" lang="en-GB" sz="1800" b="0" i="0" u="none" strike="noStrike" cap="none" normalizeH="0" baseline="0" dirty="0">
+                <a:ln>
+                  <a:noFill/>
+                </a:ln>
+                <a:solidFill>
+                  <a:srgbClr val="8922FD"/>
+                </a:solidFill>
+                <a:effectLst/>
+                <a:latin typeface="Menlo" panose="020B0609030804020204" pitchFamily="49" charset="0"/>
+                <a:ea typeface="Menlo" panose="020B0609030804020204" pitchFamily="49" charset="0"/>
+                <a:cs typeface="Menlo" panose="020B0609030804020204" pitchFamily="49" charset="0"/>
+              </a:rPr>
+              <a:t>swap</a:t>
+            </a:r>
+          </a:p>
+        </p:txBody>
+      </p:sp>
+      <p:cxnSp>
+        <p:nvCxnSpPr>
+          <p:cNvPr id="12" name="Straight Arrow Connector 11">
+            <a:extLst>
+              <a:ext uri="{FF2B5EF4-FFF2-40B4-BE49-F238E27FC236}">
+                <a16:creationId xmlns:a16="http://schemas.microsoft.com/office/drawing/2014/main" id="{BFE0B54F-2DCF-04CC-365D-427DDE0C6313}"/>
+              </a:ext>
+            </a:extLst>
+          </p:cNvPr>
+          <p:cNvCxnSpPr>
+            <a:cxnSpLocks/>
+            <a:stCxn id="11" idx="1"/>
+          </p:cNvCxnSpPr>
+          <p:nvPr/>
+        </p:nvCxnSpPr>
+        <p:spPr bwMode="auto">
+          <a:xfrm flipH="1" flipV="1">
+            <a:off x="2819400" y="5761270"/>
+            <a:ext cx="1676400" cy="309035"/>
+          </a:xfrm>
+          <a:prstGeom prst="straightConnector1">
+            <a:avLst/>
+          </a:prstGeom>
+          <a:solidFill>
+            <a:schemeClr val="accent1"/>
+          </a:solidFill>
+          <a:ln w="15875" cap="flat" cmpd="sng" algn="ctr">
+            <a:solidFill>
+              <a:schemeClr val="tx1"/>
+            </a:solidFill>
+            <a:prstDash val="solid"/>
+            <a:miter lim="800000"/>
+            <a:headEnd type="none" w="med" len="med"/>
+            <a:tailEnd type="triangle" w="lg" len="med"/>
+          </a:ln>
+          <a:effectLst/>
+        </p:spPr>
+      </p:cxnSp>
+      <p:sp>
+        <p:nvSpPr>
+          <p:cNvPr id="9" name="Rectangle 8">
+            <a:extLst>
+              <a:ext uri="{FF2B5EF4-FFF2-40B4-BE49-F238E27FC236}">
+                <a16:creationId xmlns:a16="http://schemas.microsoft.com/office/drawing/2014/main" id="{26459708-E23B-43D9-E48B-30B023245B56}"/>
+              </a:ext>
+            </a:extLst>
+          </p:cNvPr>
+          <p:cNvSpPr/>
+          <p:nvPr/>
+        </p:nvSpPr>
+        <p:spPr bwMode="auto">
+          <a:xfrm>
+            <a:off x="1447800" y="6433113"/>
+            <a:ext cx="3581400" cy="381000"/>
+          </a:xfrm>
+          <a:prstGeom prst="rect">
+            <a:avLst/>
+          </a:prstGeom>
+          <a:solidFill>
+            <a:srgbClr val="FFE267"/>
+          </a:solidFill>
+          <a:ln w="25400" cap="flat" cmpd="sng" algn="ctr">
+            <a:solidFill>
+              <a:srgbClr val="C00000"/>
+            </a:solidFill>
+            <a:prstDash val="solid"/>
+            <a:miter lim="800000"/>
+            <a:headEnd type="none" w="med" len="med"/>
+            <a:tailEnd type="none" w="med" len="med"/>
+          </a:ln>
+          <a:effectLst/>
+        </p:spPr>
+        <p:txBody>
+          <a:bodyPr vert="horz" wrap="none" lIns="91440" tIns="45720" rIns="91440" bIns="45720" numCol="1" rtlCol="0" anchor="t" anchorCtr="0" compatLnSpc="1">
+            <a:prstTxWarp prst="textNoShape">
+              <a:avLst/>
+            </a:prstTxWarp>
+          </a:bodyPr>
+          <a:lstStyle/>
+          <a:p>
+            <a:pPr marL="0" marR="0" indent="0" algn="l" defTabSz="914400" rtl="0" eaLnBrk="1" fontAlgn="base" latinLnBrk="0" hangingPunct="1">
+              <a:lnSpc>
+                <a:spcPct val="100000"/>
+              </a:lnSpc>
+              <a:spcBef>
+                <a:spcPct val="0"/>
+              </a:spcBef>
+              <a:spcAft>
+                <a:spcPct val="0"/>
+              </a:spcAft>
+              <a:buClrTx/>
+              <a:buSzTx/>
+              <a:buFontTx/>
+              <a:buNone/>
+              <a:tabLst/>
+            </a:pPr>
+            <a:r>
+              <a:rPr kumimoji="0" lang="en-GB" sz="1800" b="0" i="0" u="none" strike="noStrike" cap="none" normalizeH="0" baseline="0" dirty="0">
+                <a:ln>
+                  <a:noFill/>
+                </a:ln>
+                <a:solidFill>
+                  <a:schemeClr val="tx1"/>
+                </a:solidFill>
+                <a:effectLst/>
+                <a:latin typeface="Tahoma" charset="0"/>
+              </a:rPr>
+              <a:t>File: M02_03_2_Refactor_Proof.sc</a:t>
             </a:r>
           </a:p>
         </p:txBody>
